--- a/Deliverable3.pptx
+++ b/Deliverable3.pptx
@@ -6,10 +6,10 @@
   </p:sldMasterIdLst>
   <p:sldIdLst>
     <p:sldId id="256" r:id="rId2"/>
-    <p:sldId id="257" r:id="rId3"/>
-    <p:sldId id="260" r:id="rId4"/>
+    <p:sldId id="261" r:id="rId3"/>
+    <p:sldId id="262" r:id="rId4"/>
     <p:sldId id="259" r:id="rId5"/>
-    <p:sldId id="258" r:id="rId6"/>
+    <p:sldId id="263" r:id="rId6"/>
   </p:sldIdLst>
   <p:sldSz cx="9144000" cy="6858000" type="screen4x3"/>
   <p:notesSz cx="6858000" cy="9144000"/>
@@ -3937,13 +3937,52 @@
           <a:p>
             <a:r>
               <a:rPr lang="en-US" dirty="0" smtClean="0"/>
-              <a:t>UNSW3+ </a:t>
-            </a:r>
-            <a:r>
-              <a:rPr lang="en-US" dirty="0" err="1" smtClean="0"/>
-              <a:t>Trisemesters</a:t>
+              <a:t>Trimesters</a:t>
             </a:r>
             <a:endParaRPr lang="en-US" dirty="0"/>
+          </a:p>
+        </p:txBody>
+      </p:sp>
+      <p:sp>
+        <p:nvSpPr>
+          <p:cNvPr id="3" name="Content Placeholder 2"/>
+          <p:cNvSpPr>
+            <a:spLocks noGrp="1"/>
+          </p:cNvSpPr>
+          <p:nvPr>
+            <p:ph idx="1"/>
+          </p:nvPr>
+        </p:nvSpPr>
+        <p:spPr>
+          <a:xfrm>
+            <a:off x="685800" y="2209800"/>
+            <a:ext cx="8273297" cy="3657600"/>
+          </a:xfrm>
+        </p:spPr>
+        <p:txBody>
+          <a:bodyPr/>
+          <a:lstStyle/>
+          <a:p>
+            <a:r>
+              <a:rPr lang="en-US" b="1" dirty="0" smtClean="0"/>
+              <a:t>Theme: </a:t>
+            </a:r>
+            <a:r>
+              <a:rPr lang="en-US" dirty="0" smtClean="0"/>
+              <a:t>UNSW students with WebCMS3 courses</a:t>
+            </a:r>
+          </a:p>
+          <a:p>
+            <a:r>
+              <a:rPr lang="en-US" dirty="0" smtClean="0"/>
+              <a:t>Balancing time commitments to work/personal life/study</a:t>
+            </a:r>
+          </a:p>
+          <a:p>
+            <a:r>
+              <a:rPr lang="en-US" dirty="0" smtClean="0"/>
+              <a:t>Course outlines are used to envision the term</a:t>
+            </a:r>
           </a:p>
         </p:txBody>
       </p:sp>
@@ -3969,68 +4008,8 @@
         </p:blipFill>
         <p:spPr>
           <a:xfrm>
-            <a:off x="-1" y="1438836"/>
-            <a:ext cx="9144000" cy="3044979"/>
-          </a:xfrm>
-          <a:prstGeom prst="rect">
-            <a:avLst/>
-          </a:prstGeom>
-        </p:spPr>
-      </p:pic>
-      <p:pic>
-        <p:nvPicPr>
-          <p:cNvPr id="7" name="Picture 6" descr="11135480-man-screaming-and-pulling-his-hair.jpg"/>
-          <p:cNvPicPr>
-            <a:picLocks noChangeAspect="1"/>
-          </p:cNvPicPr>
-          <p:nvPr/>
-        </p:nvPicPr>
-        <p:blipFill>
-          <a:blip r:embed="rId3">
-            <a:extLst>
-              <a:ext uri="{28A0092B-C50C-407E-A947-70E740481C1C}">
-                <a14:useLocalDpi xmlns:a14="http://schemas.microsoft.com/office/drawing/2010/main" val="0"/>
-              </a:ext>
-            </a:extLst>
-          </a:blip>
-          <a:stretch>
-            <a:fillRect/>
-          </a:stretch>
-        </p:blipFill>
-        <p:spPr>
-          <a:xfrm>
-            <a:off x="4652576" y="3866021"/>
-            <a:ext cx="4491423" cy="2991979"/>
-          </a:xfrm>
-          <a:prstGeom prst="rect">
-            <a:avLst/>
-          </a:prstGeom>
-        </p:spPr>
-      </p:pic>
-      <p:pic>
-        <p:nvPicPr>
-          <p:cNvPr id="8" name="Picture 7" descr="500_F_220823058_6tXll9t2dpEQMnjXQ5tFYXJ8o5UHShqP.jpg"/>
-          <p:cNvPicPr>
-            <a:picLocks noChangeAspect="1"/>
-          </p:cNvPicPr>
-          <p:nvPr/>
-        </p:nvPicPr>
-        <p:blipFill>
-          <a:blip r:embed="rId4">
-            <a:extLst>
-              <a:ext uri="{28A0092B-C50C-407E-A947-70E740481C1C}">
-                <a14:useLocalDpi xmlns:a14="http://schemas.microsoft.com/office/drawing/2010/main" val="0"/>
-              </a:ext>
-            </a:extLst>
-          </a:blip>
-          <a:stretch>
-            <a:fillRect/>
-          </a:stretch>
-        </p:blipFill>
-        <p:spPr>
-          <a:xfrm>
-            <a:off x="-1" y="3931516"/>
-            <a:ext cx="4652577" cy="3107921"/>
+            <a:off x="530289" y="4093006"/>
+            <a:ext cx="8303213" cy="2764994"/>
           </a:xfrm>
           <a:prstGeom prst="rect">
             <a:avLst/>
@@ -4040,20 +4019,13 @@
     </p:spTree>
     <p:extLst>
       <p:ext uri="{BB962C8B-B14F-4D97-AF65-F5344CB8AC3E}">
-        <p14:creationId xmlns:p14="http://schemas.microsoft.com/office/powerpoint/2010/main" val="1119281853"/>
+        <p14:creationId xmlns:p14="http://schemas.microsoft.com/office/powerpoint/2010/main" val="328401753"/>
       </p:ext>
     </p:extLst>
   </p:cSld>
   <p:clrMapOvr>
     <a:masterClrMapping/>
   </p:clrMapOvr>
-  <p:timing>
-    <p:tnLst>
-      <p:par>
-        <p:cTn xmlns:p14="http://schemas.microsoft.com/office/powerpoint/2010/main" id="1" dur="indefinite" restart="never" nodeType="tmRoot"/>
-      </p:par>
-    </p:tnLst>
-  </p:timing>
 </p:sld>
 </file>
 
@@ -4097,36 +4069,56 @@
           </a:p>
         </p:txBody>
       </p:sp>
-      <p:pic>
-        <p:nvPicPr>
-          <p:cNvPr id="3" name="Picture 2" descr="Screen Shot 2019-04-03 at 5.18.33 pm.png"/>
-          <p:cNvPicPr>
-            <a:picLocks noChangeAspect="1"/>
-          </p:cNvPicPr>
-          <p:nvPr/>
-        </p:nvPicPr>
-        <p:blipFill>
-          <a:blip r:embed="rId2">
-            <a:extLst>
-              <a:ext uri="{28A0092B-C50C-407E-A947-70E740481C1C}">
-                <a14:useLocalDpi xmlns:a14="http://schemas.microsoft.com/office/drawing/2010/main" val="0"/>
-              </a:ext>
-            </a:extLst>
-          </a:blip>
-          <a:stretch>
-            <a:fillRect/>
-          </a:stretch>
-        </p:blipFill>
-        <p:spPr>
-          <a:xfrm>
-            <a:off x="390738" y="1728512"/>
-            <a:ext cx="8250881" cy="5383779"/>
-          </a:xfrm>
-          <a:prstGeom prst="rect">
-            <a:avLst/>
-          </a:prstGeom>
-        </p:spPr>
-      </p:pic>
+      <p:sp>
+        <p:nvSpPr>
+          <p:cNvPr id="3" name="Content Placeholder 2"/>
+          <p:cNvSpPr>
+            <a:spLocks noGrp="1"/>
+          </p:cNvSpPr>
+          <p:nvPr>
+            <p:ph idx="1"/>
+          </p:nvPr>
+        </p:nvSpPr>
+        <p:spPr/>
+        <p:txBody>
+          <a:bodyPr/>
+          <a:lstStyle/>
+          <a:p>
+            <a:r>
+              <a:rPr lang="en-US" dirty="0" smtClean="0"/>
+              <a:t>Aims to assist a student starting a new term, to quick view all course commitments</a:t>
+            </a:r>
+          </a:p>
+          <a:p>
+            <a:r>
+              <a:rPr lang="en-US" dirty="0" smtClean="0"/>
+              <a:t>Collects all course due dates onto 1 web page</a:t>
+            </a:r>
+          </a:p>
+          <a:p>
+            <a:r>
+              <a:rPr lang="en-US" dirty="0" smtClean="0"/>
+              <a:t>Easily export </a:t>
+            </a:r>
+            <a:r>
+              <a:rPr lang="en-US" dirty="0"/>
+              <a:t>course assessments to Google Calendar or iCal</a:t>
+            </a:r>
+          </a:p>
+          <a:p>
+            <a:endParaRPr lang="en-US" dirty="0" smtClean="0"/>
+          </a:p>
+          <a:p>
+            <a:endParaRPr lang="en-US" dirty="0" smtClean="0"/>
+          </a:p>
+          <a:p>
+            <a:endParaRPr lang="en-US" dirty="0" smtClean="0"/>
+          </a:p>
+          <a:p>
+            <a:endParaRPr lang="en-US" dirty="0"/>
+          </a:p>
+        </p:txBody>
+      </p:sp>
       <p:pic>
         <p:nvPicPr>
           <p:cNvPr id="4" name="Picture 3"/>
@@ -4136,80 +4128,15 @@
           <p:nvPr/>
         </p:nvPicPr>
         <p:blipFill>
-          <a:blip r:embed="rId3"/>
+          <a:blip r:embed="rId2"/>
           <a:stretch>
             <a:fillRect/>
           </a:stretch>
         </p:blipFill>
         <p:spPr>
           <a:xfrm>
-            <a:off x="5749450" y="4309758"/>
+            <a:off x="6670478" y="4491197"/>
             <a:ext cx="2366803" cy="2366803"/>
-          </a:xfrm>
-          <a:prstGeom prst="rect">
-            <a:avLst/>
-          </a:prstGeom>
-        </p:spPr>
-      </p:pic>
-      <p:sp>
-        <p:nvSpPr>
-          <p:cNvPr id="6" name="Right Arrow 5"/>
-          <p:cNvSpPr/>
-          <p:nvPr/>
-        </p:nvSpPr>
-        <p:spPr>
-          <a:xfrm>
-            <a:off x="3865528" y="5247740"/>
-            <a:ext cx="1507138" cy="484632"/>
-          </a:xfrm>
-          <a:prstGeom prst="rightArrow">
-            <a:avLst/>
-          </a:prstGeom>
-          <a:solidFill>
-            <a:schemeClr val="tx1"/>
-          </a:solidFill>
-        </p:spPr>
-        <p:style>
-          <a:lnRef idx="1">
-            <a:schemeClr val="accent1"/>
-          </a:lnRef>
-          <a:fillRef idx="3">
-            <a:schemeClr val="accent1"/>
-          </a:fillRef>
-          <a:effectRef idx="2">
-            <a:schemeClr val="accent1"/>
-          </a:effectRef>
-          <a:fontRef idx="minor">
-            <a:schemeClr val="lt1"/>
-          </a:fontRef>
-        </p:style>
-        <p:txBody>
-          <a:bodyPr rtlCol="0" anchor="ctr"/>
-          <a:lstStyle/>
-          <a:p>
-            <a:pPr algn="ctr"/>
-            <a:endParaRPr lang="en-US"/>
-          </a:p>
-        </p:txBody>
-      </p:sp>
-      <p:pic>
-        <p:nvPicPr>
-          <p:cNvPr id="7" name="Picture 6"/>
-          <p:cNvPicPr>
-            <a:picLocks noChangeAspect="1"/>
-          </p:cNvPicPr>
-          <p:nvPr/>
-        </p:nvPicPr>
-        <p:blipFill>
-          <a:blip r:embed="rId4"/>
-          <a:stretch>
-            <a:fillRect/>
-          </a:stretch>
-        </p:blipFill>
-        <p:spPr>
-          <a:xfrm>
-            <a:off x="865209" y="4277632"/>
-            <a:ext cx="2609580" cy="2323703"/>
           </a:xfrm>
           <a:prstGeom prst="rect">
             <a:avLst/>
@@ -4219,20 +4146,13 @@
     </p:spTree>
     <p:extLst>
       <p:ext uri="{BB962C8B-B14F-4D97-AF65-F5344CB8AC3E}">
-        <p14:creationId xmlns:p14="http://schemas.microsoft.com/office/powerpoint/2010/main" val="3815583085"/>
+        <p14:creationId xmlns:p14="http://schemas.microsoft.com/office/powerpoint/2010/main" val="3306344786"/>
       </p:ext>
     </p:extLst>
   </p:cSld>
   <p:clrMapOvr>
     <a:masterClrMapping/>
   </p:clrMapOvr>
-  <p:timing>
-    <p:tnLst>
-      <p:par>
-        <p:cTn xmlns:p14="http://schemas.microsoft.com/office/powerpoint/2010/main" id="1" dur="indefinite" restart="never" nodeType="tmRoot"/>
-      </p:par>
-    </p:tnLst>
-  </p:timing>
 </p:sld>
 </file>
 
@@ -4426,7 +4346,7 @@
           <a:p>
             <a:r>
               <a:rPr lang="en-US" dirty="0" smtClean="0"/>
-              <a:t>Software Architecture/Implementation</a:t>
+              <a:t>Software Architecture</a:t>
             </a:r>
             <a:endParaRPr lang="en-US" dirty="0"/>
           </a:p>
@@ -4453,8 +4373,8 @@
         </p:blipFill>
         <p:spPr bwMode="auto">
           <a:xfrm>
-            <a:off x="337889" y="1936750"/>
-            <a:ext cx="8621207" cy="4692708"/>
+            <a:off x="2623537" y="3140271"/>
+            <a:ext cx="6520464" cy="3717730"/>
           </a:xfrm>
           <a:prstGeom prst="rect">
             <a:avLst/>
@@ -4468,200 +4388,56 @@
       </p:pic>
       <p:sp>
         <p:nvSpPr>
-          <p:cNvPr id="5" name="Text Box 13"/>
-          <p:cNvSpPr txBox="1"/>
-          <p:nvPr/>
+          <p:cNvPr id="3" name="Content Placeholder 2"/>
+          <p:cNvSpPr>
+            <a:spLocks noGrp="1"/>
+          </p:cNvSpPr>
+          <p:nvPr>
+            <p:ph idx="1"/>
+          </p:nvPr>
         </p:nvSpPr>
         <p:spPr>
           <a:xfrm>
-            <a:off x="337890" y="1936750"/>
-            <a:ext cx="2983396" cy="1475926"/>
+            <a:off x="434610" y="1860881"/>
+            <a:ext cx="8709390" cy="3657600"/>
           </a:xfrm>
-          <a:prstGeom prst="rect">
-            <a:avLst/>
-          </a:prstGeom>
-          <a:noFill/>
-          <a:ln>
-            <a:solidFill>
-              <a:schemeClr val="tx1"/>
-            </a:solidFill>
-          </a:ln>
-          <a:effectLst/>
-          <a:extLst>
-            <a:ext uri="{FAA26D3D-D897-4be2-8F04-BA451C77F1D7}">
-              <ma14:placeholderFlag xmlns:ma14="http://schemas.microsoft.com/office/mac/drawingml/2011/main"/>
-            </a:ext>
-            <a:ext uri="{C572A759-6A51-4108-AA02-DFA0A04FC94B}">
-              <ma14:wrappingTextBoxFlag xmlns:ma14="http://schemas.microsoft.com/office/mac/drawingml/2011/main"/>
-            </a:ext>
-          </a:extLst>
         </p:spPr>
-        <p:style>
-          <a:lnRef idx="0">
-            <a:schemeClr val="accent1"/>
-          </a:lnRef>
-          <a:fillRef idx="0">
-            <a:schemeClr val="accent1"/>
-          </a:fillRef>
-          <a:effectRef idx="0">
-            <a:schemeClr val="accent1"/>
-          </a:effectRef>
-          <a:fontRef idx="minor">
-            <a:schemeClr val="dk1"/>
-          </a:fontRef>
-        </p:style>
-        <p:txBody>
-          <a:bodyPr rot="0" spcFirstLastPara="0" vert="horz" wrap="square" lIns="91440" tIns="45720" rIns="91440" bIns="45720" numCol="1" spcCol="0" rtlCol="0" fromWordArt="0" anchor="t" anchorCtr="0" forceAA="0" compatLnSpc="1">
-            <a:prstTxWarp prst="textNoShape">
-              <a:avLst/>
-            </a:prstTxWarp>
-            <a:noAutofit/>
-          </a:bodyPr>
-          <a:lstStyle/>
-          <a:p>
-            <a:pPr algn="ctr">
-              <a:lnSpc>
-                <a:spcPct val="107000"/>
-              </a:lnSpc>
-              <a:spcAft>
-                <a:spcPts val="800"/>
-              </a:spcAft>
-            </a:pPr>
-            <a:r>
-              <a:rPr lang="en-AU" sz="1200" b="1" dirty="0">
-                <a:effectLst/>
-                <a:latin typeface="Calibri"/>
-                <a:ea typeface="ＭＳ 明朝"/>
-                <a:cs typeface="Calibri"/>
-              </a:rPr>
-              <a:t>Legend:</a:t>
-            </a:r>
-            <a:endParaRPr lang="en-AU" sz="1200" dirty="0">
-              <a:effectLst/>
-              <a:latin typeface="Calibri"/>
-              <a:ea typeface="ＭＳ 明朝"/>
-              <a:cs typeface="Calibri"/>
-            </a:endParaRPr>
-          </a:p>
-          <a:p>
-            <a:pPr algn="just">
-              <a:lnSpc>
-                <a:spcPct val="107000"/>
-              </a:lnSpc>
-              <a:spcAft>
-                <a:spcPts val="800"/>
-              </a:spcAft>
-            </a:pPr>
-            <a:r>
-              <a:rPr lang="en-AU" sz="1200" dirty="0">
-                <a:effectLst/>
-                <a:latin typeface="Calibri"/>
-                <a:ea typeface="ＭＳ 明朝"/>
-                <a:cs typeface="Calibri"/>
-              </a:rPr>
-              <a:t>Straight Edges = External Application/Entities</a:t>
-            </a:r>
-          </a:p>
-          <a:p>
-            <a:pPr algn="just">
-              <a:lnSpc>
-                <a:spcPct val="107000"/>
-              </a:lnSpc>
-              <a:spcAft>
-                <a:spcPts val="800"/>
-              </a:spcAft>
-            </a:pPr>
-            <a:r>
-              <a:rPr lang="en-AU" sz="1200" dirty="0">
-                <a:effectLst/>
-                <a:latin typeface="Calibri"/>
-                <a:ea typeface="ＭＳ 明朝"/>
-                <a:cs typeface="Calibri"/>
-              </a:rPr>
-              <a:t>Rounded Edges = Python Modules</a:t>
-            </a:r>
-          </a:p>
-          <a:p>
-            <a:pPr algn="just">
-              <a:lnSpc>
-                <a:spcPct val="107000"/>
-              </a:lnSpc>
-              <a:spcAft>
-                <a:spcPts val="800"/>
-              </a:spcAft>
-            </a:pPr>
-            <a:r>
-              <a:rPr lang="en-AU" sz="1200" dirty="0">
-                <a:effectLst/>
-                <a:latin typeface="Calibri"/>
-                <a:ea typeface="ＭＳ 明朝"/>
-                <a:cs typeface="Calibri"/>
-              </a:rPr>
-              <a:t>Circle = Web Interfaces/Templates</a:t>
-            </a:r>
-          </a:p>
-          <a:p>
-            <a:pPr algn="just">
-              <a:lnSpc>
-                <a:spcPct val="107000"/>
-              </a:lnSpc>
-              <a:spcAft>
-                <a:spcPts val="800"/>
-              </a:spcAft>
-            </a:pPr>
-            <a:r>
-              <a:rPr lang="en-AU" sz="1200" dirty="0">
-                <a:effectLst/>
-                <a:latin typeface="Calibri"/>
-                <a:ea typeface="ＭＳ 明朝"/>
-                <a:cs typeface="Calibri"/>
-              </a:rPr>
-              <a:t>Cylinder = Database</a:t>
-            </a:r>
-          </a:p>
-          <a:p>
-            <a:pPr>
-              <a:lnSpc>
-                <a:spcPct val="107000"/>
-              </a:lnSpc>
-              <a:spcAft>
-                <a:spcPts val="800"/>
-              </a:spcAft>
-            </a:pPr>
-            <a:r>
-              <a:rPr lang="en-AU" sz="1200" dirty="0">
-                <a:effectLst/>
-                <a:latin typeface="Calibri"/>
-                <a:ea typeface="ＭＳ 明朝"/>
-                <a:cs typeface="Times New Roman"/>
-              </a:rPr>
-              <a:t> </a:t>
-            </a:r>
-            <a:endParaRPr lang="en-AU" sz="1200" dirty="0">
-              <a:effectLst/>
-              <a:ea typeface="ＭＳ 明朝"/>
-              <a:cs typeface="Times New Roman"/>
-            </a:endParaRPr>
+        <p:txBody>
+          <a:bodyPr/>
+          <a:lstStyle/>
+          <a:p>
+            <a:r>
+              <a:rPr lang="en-US" dirty="0" smtClean="0"/>
+              <a:t>Server handles accessing WebCMS3</a:t>
+            </a:r>
+          </a:p>
+          <a:p>
+            <a:r>
+              <a:rPr lang="en-US" dirty="0" smtClean="0"/>
+              <a:t>Server uses a PDF scraper and a web scarper to extract information</a:t>
+            </a:r>
+          </a:p>
+          <a:p>
+            <a:r>
+              <a:rPr lang="en-US" dirty="0" smtClean="0"/>
+              <a:t>Uses Google API</a:t>
+            </a:r>
+          </a:p>
+          <a:p>
+            <a:endParaRPr lang="en-US" dirty="0"/>
           </a:p>
         </p:txBody>
       </p:sp>
     </p:spTree>
     <p:extLst>
       <p:ext uri="{BB962C8B-B14F-4D97-AF65-F5344CB8AC3E}">
-        <p14:creationId xmlns:p14="http://schemas.microsoft.com/office/powerpoint/2010/main" val="4142930466"/>
+        <p14:creationId xmlns:p14="http://schemas.microsoft.com/office/powerpoint/2010/main" val="1709832017"/>
       </p:ext>
     </p:extLst>
   </p:cSld>
   <p:clrMapOvr>
     <a:masterClrMapping/>
   </p:clrMapOvr>
-  <p:timing>
-    <p:tnLst>
-      <p:par>
-        <p:cTn xmlns:p14="http://schemas.microsoft.com/office/powerpoint/2010/main" id="1" dur="indefinite" restart="never" nodeType="tmRoot"/>
-      </p:par>
-    </p:tnLst>
-  </p:timing>
 </p:sld>
 </file>
 

--- a/Deliverable3.pptx
+++ b/Deliverable3.pptx
@@ -6,10 +6,11 @@
   </p:sldMasterIdLst>
   <p:sldIdLst>
     <p:sldId id="256" r:id="rId2"/>
-    <p:sldId id="261" r:id="rId3"/>
-    <p:sldId id="262" r:id="rId4"/>
-    <p:sldId id="259" r:id="rId5"/>
-    <p:sldId id="263" r:id="rId6"/>
+    <p:sldId id="264" r:id="rId3"/>
+    <p:sldId id="261" r:id="rId4"/>
+    <p:sldId id="262" r:id="rId5"/>
+    <p:sldId id="259" r:id="rId6"/>
+    <p:sldId id="263" r:id="rId7"/>
   </p:sldIdLst>
   <p:sldSz cx="9144000" cy="6858000" type="screen4x3"/>
   <p:notesSz cx="6858000" cy="9144000"/>
@@ -108,6 +109,22 @@
       </a:defRPr>
     </a:lvl9pPr>
   </p:defaultTextStyle>
+  <p:extLst>
+    <p:ext uri="{EFAFB233-063F-42B5-8137-9DF3F51BA10A}">
+      <p15:sldGuideLst xmlns:p15="http://schemas.microsoft.com/office/powerpoint/2012/main">
+        <p15:guide id="1" orient="horz" pos="2160">
+          <p15:clr>
+            <a:srgbClr val="A4A3A4"/>
+          </p15:clr>
+        </p15:guide>
+        <p15:guide id="2" pos="2880">
+          <p15:clr>
+            <a:srgbClr val="A4A3A4"/>
+          </p15:clr>
+        </p15:guide>
+      </p15:sldGuideLst>
+    </p:ext>
+  </p:extLst>
 </p:presentation>
 </file>
 
@@ -179,7 +196,7 @@
           </a:lstStyle>
           <a:p>
             <a:r>
-              <a:rPr lang="en-AU" smtClean="0"/>
+              <a:rPr lang="en-AU"/>
               <a:t>Click to edit Master title style</a:t>
             </a:r>
             <a:endParaRPr/>
@@ -318,7 +335,7 @@
           </a:lstStyle>
           <a:p>
             <a:r>
-              <a:rPr lang="en-AU" smtClean="0"/>
+              <a:rPr lang="en-AU"/>
               <a:t>Click to edit Master subtitle style</a:t>
             </a:r>
             <a:endParaRPr/>
@@ -342,7 +359,7 @@
           <a:p>
             <a:fld id="{1778F24D-EB19-4AE0-B015-2BEA6D5224F2}" type="datetimeFigureOut">
               <a:rPr lang="en-US" smtClean="0"/>
-              <a:t>3/04/2019</a:t>
+              <a:t>4/3/2019</a:t>
             </a:fld>
             <a:endParaRPr lang="en-US"/>
           </a:p>
@@ -462,7 +479,7 @@
           </a:lstStyle>
           <a:p>
             <a:r>
-              <a:rPr lang="en-AU" smtClean="0"/>
+              <a:rPr lang="en-AU"/>
               <a:t>Click to edit Master title style</a:t>
             </a:r>
             <a:endParaRPr/>
@@ -542,7 +559,7 @@
           </a:lstStyle>
           <a:p>
             <a:r>
-              <a:rPr lang="en-AU" smtClean="0"/>
+              <a:rPr lang="en-AU"/>
               <a:t>Drag picture to placeholder or click icon to add</a:t>
             </a:r>
             <a:endParaRPr/>
@@ -632,7 +649,7 @@
               <a:buNone/>
             </a:pPr>
             <a:r>
-              <a:rPr lang="en-AU" smtClean="0"/>
+              <a:rPr lang="en-AU"/>
               <a:t>Click to edit Master text styles</a:t>
             </a:r>
           </a:p>
@@ -655,7 +672,7 @@
           <a:p>
             <a:fld id="{1778F24D-EB19-4AE0-B015-2BEA6D5224F2}" type="datetimeFigureOut">
               <a:rPr lang="en-US" smtClean="0"/>
-              <a:t>3/04/2019</a:t>
+              <a:t>4/3/2019</a:t>
             </a:fld>
             <a:endParaRPr lang="en-US"/>
           </a:p>
@@ -770,7 +787,7 @@
           <a:lstStyle/>
           <a:p>
             <a:r>
-              <a:rPr lang="en-AU" smtClean="0"/>
+              <a:rPr lang="en-AU"/>
               <a:t>Click to edit Master title style</a:t>
             </a:r>
             <a:endParaRPr/>
@@ -810,35 +827,35 @@
           <a:p>
             <a:pPr lvl="0"/>
             <a:r>
-              <a:rPr lang="en-AU" smtClean="0"/>
+              <a:rPr lang="en-AU"/>
               <a:t>Click to edit Master text styles</a:t>
             </a:r>
           </a:p>
           <a:p>
             <a:pPr lvl="1"/>
             <a:r>
-              <a:rPr lang="en-AU" smtClean="0"/>
+              <a:rPr lang="en-AU"/>
               <a:t>Second level</a:t>
             </a:r>
           </a:p>
           <a:p>
             <a:pPr lvl="2"/>
             <a:r>
-              <a:rPr lang="en-AU" smtClean="0"/>
+              <a:rPr lang="en-AU"/>
               <a:t>Third level</a:t>
             </a:r>
           </a:p>
           <a:p>
             <a:pPr lvl="3"/>
             <a:r>
-              <a:rPr lang="en-AU" smtClean="0"/>
+              <a:rPr lang="en-AU"/>
               <a:t>Fourth level</a:t>
             </a:r>
           </a:p>
           <a:p>
             <a:pPr lvl="4"/>
             <a:r>
-              <a:rPr lang="en-AU" smtClean="0"/>
+              <a:rPr lang="en-AU"/>
               <a:t>Fifth level</a:t>
             </a:r>
             <a:endParaRPr dirty="0"/>
@@ -862,7 +879,7 @@
           <a:p>
             <a:fld id="{1778F24D-EB19-4AE0-B015-2BEA6D5224F2}" type="datetimeFigureOut">
               <a:rPr lang="en-US" smtClean="0"/>
-              <a:t>3/04/2019</a:t>
+              <a:t>4/3/2019</a:t>
             </a:fld>
             <a:endParaRPr lang="en-US"/>
           </a:p>
@@ -982,7 +999,7 @@
           <a:lstStyle/>
           <a:p>
             <a:r>
-              <a:rPr lang="en-AU" smtClean="0"/>
+              <a:rPr lang="en-AU"/>
               <a:t>Click to edit Master title style</a:t>
             </a:r>
             <a:endParaRPr/>
@@ -1015,35 +1032,35 @@
           <a:p>
             <a:pPr lvl="0"/>
             <a:r>
-              <a:rPr lang="en-AU" smtClean="0"/>
+              <a:rPr lang="en-AU"/>
               <a:t>Click to edit Master text styles</a:t>
             </a:r>
           </a:p>
           <a:p>
             <a:pPr lvl="1"/>
             <a:r>
-              <a:rPr lang="en-AU" smtClean="0"/>
+              <a:rPr lang="en-AU"/>
               <a:t>Second level</a:t>
             </a:r>
           </a:p>
           <a:p>
             <a:pPr lvl="2"/>
             <a:r>
-              <a:rPr lang="en-AU" smtClean="0"/>
+              <a:rPr lang="en-AU"/>
               <a:t>Third level</a:t>
             </a:r>
           </a:p>
           <a:p>
             <a:pPr lvl="3"/>
             <a:r>
-              <a:rPr lang="en-AU" smtClean="0"/>
+              <a:rPr lang="en-AU"/>
               <a:t>Fourth level</a:t>
             </a:r>
           </a:p>
           <a:p>
             <a:pPr lvl="4"/>
             <a:r>
-              <a:rPr lang="en-AU" smtClean="0"/>
+              <a:rPr lang="en-AU"/>
               <a:t>Fifth level</a:t>
             </a:r>
             <a:endParaRPr dirty="0"/>
@@ -1067,7 +1084,7 @@
           <a:p>
             <a:fld id="{1778F24D-EB19-4AE0-B015-2BEA6D5224F2}" type="datetimeFigureOut">
               <a:rPr lang="en-US" smtClean="0"/>
-              <a:t>3/04/2019</a:t>
+              <a:t>4/3/2019</a:t>
             </a:fld>
             <a:endParaRPr lang="en-US"/>
           </a:p>
@@ -1182,7 +1199,7 @@
           <a:lstStyle/>
           <a:p>
             <a:r>
-              <a:rPr lang="en-AU" smtClean="0"/>
+              <a:rPr lang="en-AU"/>
               <a:t>Click to edit Master title style</a:t>
             </a:r>
             <a:endParaRPr/>
@@ -1210,35 +1227,35 @@
           <a:p>
             <a:pPr lvl="0"/>
             <a:r>
-              <a:rPr lang="en-AU" smtClean="0"/>
+              <a:rPr lang="en-AU"/>
               <a:t>Click to edit Master text styles</a:t>
             </a:r>
           </a:p>
           <a:p>
             <a:pPr lvl="1"/>
             <a:r>
-              <a:rPr lang="en-AU" smtClean="0"/>
+              <a:rPr lang="en-AU"/>
               <a:t>Second level</a:t>
             </a:r>
           </a:p>
           <a:p>
             <a:pPr lvl="2"/>
             <a:r>
-              <a:rPr lang="en-AU" smtClean="0"/>
+              <a:rPr lang="en-AU"/>
               <a:t>Third level</a:t>
             </a:r>
           </a:p>
           <a:p>
             <a:pPr lvl="3"/>
             <a:r>
-              <a:rPr lang="en-AU" smtClean="0"/>
+              <a:rPr lang="en-AU"/>
               <a:t>Fourth level</a:t>
             </a:r>
           </a:p>
           <a:p>
             <a:pPr lvl="4"/>
             <a:r>
-              <a:rPr lang="en-AU" smtClean="0"/>
+              <a:rPr lang="en-AU"/>
               <a:t>Fifth level</a:t>
             </a:r>
             <a:endParaRPr dirty="0"/>
@@ -1262,7 +1279,7 @@
           <a:p>
             <a:fld id="{1778F24D-EB19-4AE0-B015-2BEA6D5224F2}" type="datetimeFigureOut">
               <a:rPr lang="en-US" smtClean="0"/>
-              <a:t>3/04/2019</a:t>
+              <a:t>4/3/2019</a:t>
             </a:fld>
             <a:endParaRPr lang="en-US"/>
           </a:p>
@@ -1386,7 +1403,7 @@
           </a:lstStyle>
           <a:p>
             <a:r>
-              <a:rPr lang="en-AU" smtClean="0"/>
+              <a:rPr lang="en-AU"/>
               <a:t>Click to edit Master title style</a:t>
             </a:r>
             <a:endParaRPr/>
@@ -1509,7 +1526,7 @@
           <a:p>
             <a:pPr lvl="0"/>
             <a:r>
-              <a:rPr lang="en-AU" smtClean="0"/>
+              <a:rPr lang="en-AU"/>
               <a:t>Click to edit Master text styles</a:t>
             </a:r>
           </a:p>
@@ -1532,7 +1549,7 @@
           <a:p>
             <a:fld id="{1778F24D-EB19-4AE0-B015-2BEA6D5224F2}" type="datetimeFigureOut">
               <a:rPr lang="en-US" smtClean="0"/>
-              <a:t>3/04/2019</a:t>
+              <a:t>4/3/2019</a:t>
             </a:fld>
             <a:endParaRPr lang="en-US"/>
           </a:p>
@@ -1645,7 +1662,7 @@
           <a:lstStyle/>
           <a:p>
             <a:r>
-              <a:rPr lang="en-AU" smtClean="0"/>
+              <a:rPr lang="en-AU"/>
               <a:t>Click to edit Master title style</a:t>
             </a:r>
             <a:endParaRPr/>
@@ -1704,35 +1721,35 @@
           <a:p>
             <a:pPr lvl="0"/>
             <a:r>
-              <a:rPr lang="en-AU" smtClean="0"/>
+              <a:rPr lang="en-AU"/>
               <a:t>Click to edit Master text styles</a:t>
             </a:r>
           </a:p>
           <a:p>
             <a:pPr lvl="1"/>
             <a:r>
-              <a:rPr lang="en-AU" smtClean="0"/>
+              <a:rPr lang="en-AU"/>
               <a:t>Second level</a:t>
             </a:r>
           </a:p>
           <a:p>
             <a:pPr lvl="2"/>
             <a:r>
-              <a:rPr lang="en-AU" smtClean="0"/>
+              <a:rPr lang="en-AU"/>
               <a:t>Third level</a:t>
             </a:r>
           </a:p>
           <a:p>
             <a:pPr lvl="3"/>
             <a:r>
-              <a:rPr lang="en-AU" smtClean="0"/>
+              <a:rPr lang="en-AU"/>
               <a:t>Fourth level</a:t>
             </a:r>
           </a:p>
           <a:p>
             <a:pPr lvl="4"/>
             <a:r>
-              <a:rPr lang="en-AU" smtClean="0"/>
+              <a:rPr lang="en-AU"/>
               <a:t>Fifth level</a:t>
             </a:r>
             <a:endParaRPr dirty="0"/>
@@ -1791,35 +1808,35 @@
           <a:p>
             <a:pPr lvl="0"/>
             <a:r>
-              <a:rPr lang="en-AU" smtClean="0"/>
+              <a:rPr lang="en-AU"/>
               <a:t>Click to edit Master text styles</a:t>
             </a:r>
           </a:p>
           <a:p>
             <a:pPr lvl="1"/>
             <a:r>
-              <a:rPr lang="en-AU" smtClean="0"/>
+              <a:rPr lang="en-AU"/>
               <a:t>Second level</a:t>
             </a:r>
           </a:p>
           <a:p>
             <a:pPr lvl="2"/>
             <a:r>
-              <a:rPr lang="en-AU" smtClean="0"/>
+              <a:rPr lang="en-AU"/>
               <a:t>Third level</a:t>
             </a:r>
           </a:p>
           <a:p>
             <a:pPr lvl="3"/>
             <a:r>
-              <a:rPr lang="en-AU" smtClean="0"/>
+              <a:rPr lang="en-AU"/>
               <a:t>Fourth level</a:t>
             </a:r>
           </a:p>
           <a:p>
             <a:pPr lvl="4"/>
             <a:r>
-              <a:rPr lang="en-AU" smtClean="0"/>
+              <a:rPr lang="en-AU"/>
               <a:t>Fifth level</a:t>
             </a:r>
             <a:endParaRPr dirty="0"/>
@@ -1843,7 +1860,7 @@
           <a:p>
             <a:fld id="{1778F24D-EB19-4AE0-B015-2BEA6D5224F2}" type="datetimeFigureOut">
               <a:rPr lang="en-US" smtClean="0"/>
-              <a:t>3/04/2019</a:t>
+              <a:t>4/3/2019</a:t>
             </a:fld>
             <a:endParaRPr lang="en-US"/>
           </a:p>
@@ -1962,7 +1979,7 @@
           </a:lstStyle>
           <a:p>
             <a:r>
-              <a:rPr lang="en-AU" smtClean="0"/>
+              <a:rPr lang="en-AU"/>
               <a:t>Click to edit Master title style</a:t>
             </a:r>
             <a:endParaRPr/>
@@ -2035,7 +2052,7 @@
           <a:p>
             <a:pPr lvl="0"/>
             <a:r>
-              <a:rPr lang="en-AU" smtClean="0"/>
+              <a:rPr lang="en-AU"/>
               <a:t>Click to edit Master text styles</a:t>
             </a:r>
           </a:p>
@@ -2093,35 +2110,35 @@
           <a:p>
             <a:pPr lvl="0"/>
             <a:r>
-              <a:rPr lang="en-AU" smtClean="0"/>
+              <a:rPr lang="en-AU"/>
               <a:t>Click to edit Master text styles</a:t>
             </a:r>
           </a:p>
           <a:p>
             <a:pPr lvl="1"/>
             <a:r>
-              <a:rPr lang="en-AU" smtClean="0"/>
+              <a:rPr lang="en-AU"/>
               <a:t>Second level</a:t>
             </a:r>
           </a:p>
           <a:p>
             <a:pPr lvl="2"/>
             <a:r>
-              <a:rPr lang="en-AU" smtClean="0"/>
+              <a:rPr lang="en-AU"/>
               <a:t>Third level</a:t>
             </a:r>
           </a:p>
           <a:p>
             <a:pPr lvl="3"/>
             <a:r>
-              <a:rPr lang="en-AU" smtClean="0"/>
+              <a:rPr lang="en-AU"/>
               <a:t>Fourth level</a:t>
             </a:r>
           </a:p>
           <a:p>
             <a:pPr lvl="4"/>
             <a:r>
-              <a:rPr lang="en-AU" smtClean="0"/>
+              <a:rPr lang="en-AU"/>
               <a:t>Fifth level</a:t>
             </a:r>
             <a:endParaRPr dirty="0"/>
@@ -2194,7 +2211,7 @@
           <a:p>
             <a:pPr lvl="0"/>
             <a:r>
-              <a:rPr lang="en-AU" smtClean="0"/>
+              <a:rPr lang="en-AU"/>
               <a:t>Click to edit Master text styles</a:t>
             </a:r>
           </a:p>
@@ -2252,35 +2269,35 @@
           <a:p>
             <a:pPr lvl="0"/>
             <a:r>
-              <a:rPr lang="en-AU" smtClean="0"/>
+              <a:rPr lang="en-AU"/>
               <a:t>Click to edit Master text styles</a:t>
             </a:r>
           </a:p>
           <a:p>
             <a:pPr lvl="1"/>
             <a:r>
-              <a:rPr lang="en-AU" smtClean="0"/>
+              <a:rPr lang="en-AU"/>
               <a:t>Second level</a:t>
             </a:r>
           </a:p>
           <a:p>
             <a:pPr lvl="2"/>
             <a:r>
-              <a:rPr lang="en-AU" smtClean="0"/>
+              <a:rPr lang="en-AU"/>
               <a:t>Third level</a:t>
             </a:r>
           </a:p>
           <a:p>
             <a:pPr lvl="3"/>
             <a:r>
-              <a:rPr lang="en-AU" smtClean="0"/>
+              <a:rPr lang="en-AU"/>
               <a:t>Fourth level</a:t>
             </a:r>
           </a:p>
           <a:p>
             <a:pPr lvl="4"/>
             <a:r>
-              <a:rPr lang="en-AU" smtClean="0"/>
+              <a:rPr lang="en-AU"/>
               <a:t>Fifth level</a:t>
             </a:r>
             <a:endParaRPr dirty="0"/>
@@ -2304,7 +2321,7 @@
           <a:p>
             <a:fld id="{1778F24D-EB19-4AE0-B015-2BEA6D5224F2}" type="datetimeFigureOut">
               <a:rPr lang="en-US" smtClean="0"/>
-              <a:t>3/04/2019</a:t>
+              <a:t>4/3/2019</a:t>
             </a:fld>
             <a:endParaRPr lang="en-US"/>
           </a:p>
@@ -2419,7 +2436,7 @@
           <a:lstStyle/>
           <a:p>
             <a:r>
-              <a:rPr lang="en-AU" smtClean="0"/>
+              <a:rPr lang="en-AU"/>
               <a:t>Click to edit Master title style</a:t>
             </a:r>
             <a:endParaRPr/>
@@ -2443,7 +2460,7 @@
           <a:p>
             <a:fld id="{1778F24D-EB19-4AE0-B015-2BEA6D5224F2}" type="datetimeFigureOut">
               <a:rPr lang="en-US" smtClean="0"/>
-              <a:t>3/04/2019</a:t>
+              <a:t>4/3/2019</a:t>
             </a:fld>
             <a:endParaRPr lang="en-US"/>
           </a:p>
@@ -2559,7 +2576,7 @@
           <a:p>
             <a:fld id="{1778F24D-EB19-4AE0-B015-2BEA6D5224F2}" type="datetimeFigureOut">
               <a:rPr lang="en-US" smtClean="0"/>
-              <a:t>3/04/2019</a:t>
+              <a:t>4/3/2019</a:t>
             </a:fld>
             <a:endParaRPr lang="en-US"/>
           </a:p>
@@ -2657,7 +2674,7 @@
           </a:lstStyle>
           <a:p>
             <a:r>
-              <a:rPr lang="en-AU" smtClean="0"/>
+              <a:rPr lang="en-AU"/>
               <a:t>Click to edit Master title style</a:t>
             </a:r>
             <a:endParaRPr/>
@@ -2720,35 +2737,35 @@
           <a:p>
             <a:pPr lvl="0"/>
             <a:r>
-              <a:rPr lang="en-AU" smtClean="0"/>
+              <a:rPr lang="en-AU"/>
               <a:t>Click to edit Master text styles</a:t>
             </a:r>
           </a:p>
           <a:p>
             <a:pPr lvl="1"/>
             <a:r>
-              <a:rPr lang="en-AU" smtClean="0"/>
+              <a:rPr lang="en-AU"/>
               <a:t>Second level</a:t>
             </a:r>
           </a:p>
           <a:p>
             <a:pPr lvl="2"/>
             <a:r>
-              <a:rPr lang="en-AU" smtClean="0"/>
+              <a:rPr lang="en-AU"/>
               <a:t>Third level</a:t>
             </a:r>
           </a:p>
           <a:p>
             <a:pPr lvl="3"/>
             <a:r>
-              <a:rPr lang="en-AU" smtClean="0"/>
+              <a:rPr lang="en-AU"/>
               <a:t>Fourth level</a:t>
             </a:r>
           </a:p>
           <a:p>
             <a:pPr lvl="4"/>
             <a:r>
-              <a:rPr lang="en-AU" smtClean="0"/>
+              <a:rPr lang="en-AU"/>
               <a:t>Fifth level</a:t>
             </a:r>
             <a:endParaRPr dirty="0"/>
@@ -2822,7 +2839,7 @@
           <a:p>
             <a:pPr lvl="0"/>
             <a:r>
-              <a:rPr lang="en-AU" smtClean="0"/>
+              <a:rPr lang="en-AU"/>
               <a:t>Click to edit Master text styles</a:t>
             </a:r>
           </a:p>
@@ -2845,7 +2862,7 @@
           <a:p>
             <a:fld id="{1778F24D-EB19-4AE0-B015-2BEA6D5224F2}" type="datetimeFigureOut">
               <a:rPr lang="en-US" smtClean="0"/>
-              <a:t>3/04/2019</a:t>
+              <a:t>4/3/2019</a:t>
             </a:fld>
             <a:endParaRPr lang="en-US"/>
           </a:p>
@@ -2990,7 +3007,7 @@
           </a:lstStyle>
           <a:p>
             <a:r>
-              <a:rPr lang="en-AU" smtClean="0"/>
+              <a:rPr lang="en-AU"/>
               <a:t>Click to edit Master title style</a:t>
             </a:r>
             <a:endParaRPr/>
@@ -3070,7 +3087,7 @@
           </a:lstStyle>
           <a:p>
             <a:r>
-              <a:rPr lang="en-AU" smtClean="0"/>
+              <a:rPr lang="en-AU"/>
               <a:t>Drag picture to placeholder or click icon to add</a:t>
             </a:r>
             <a:endParaRPr/>
@@ -3160,7 +3177,7 @@
               <a:buNone/>
             </a:pPr>
             <a:r>
-              <a:rPr lang="en-AU" smtClean="0"/>
+              <a:rPr lang="en-AU"/>
               <a:t>Click to edit Master text styles</a:t>
             </a:r>
           </a:p>
@@ -3183,7 +3200,7 @@
           <a:p>
             <a:fld id="{1778F24D-EB19-4AE0-B015-2BEA6D5224F2}" type="datetimeFigureOut">
               <a:rPr lang="en-US" smtClean="0"/>
-              <a:t>3/04/2019</a:t>
+              <a:t>4/3/2019</a:t>
             </a:fld>
             <a:endParaRPr lang="en-US"/>
           </a:p>
@@ -3355,7 +3372,7 @@
           <a:lstStyle/>
           <a:p>
             <a:r>
-              <a:rPr lang="en-AU" smtClean="0"/>
+              <a:rPr lang="en-AU"/>
               <a:t>Click to edit Master title style</a:t>
             </a:r>
             <a:endParaRPr/>
@@ -3389,35 +3406,35 @@
           <a:p>
             <a:pPr lvl="0"/>
             <a:r>
-              <a:rPr lang="en-AU" smtClean="0"/>
+              <a:rPr lang="en-AU"/>
               <a:t>Click to edit Master text styles</a:t>
             </a:r>
           </a:p>
           <a:p>
             <a:pPr lvl="1"/>
             <a:r>
-              <a:rPr lang="en-AU" smtClean="0"/>
+              <a:rPr lang="en-AU"/>
               <a:t>Second level</a:t>
             </a:r>
           </a:p>
           <a:p>
             <a:pPr lvl="2"/>
             <a:r>
-              <a:rPr lang="en-AU" smtClean="0"/>
+              <a:rPr lang="en-AU"/>
               <a:t>Third level</a:t>
             </a:r>
           </a:p>
           <a:p>
             <a:pPr lvl="3"/>
             <a:r>
-              <a:rPr lang="en-AU" smtClean="0"/>
+              <a:rPr lang="en-AU"/>
               <a:t>Fourth level</a:t>
             </a:r>
           </a:p>
           <a:p>
             <a:pPr lvl="4"/>
             <a:r>
-              <a:rPr lang="en-AU" smtClean="0"/>
+              <a:rPr lang="en-AU"/>
               <a:t>Fifth level</a:t>
             </a:r>
             <a:endParaRPr dirty="0"/>
@@ -3459,7 +3476,7 @@
           <a:p>
             <a:fld id="{1778F24D-EB19-4AE0-B015-2BEA6D5224F2}" type="datetimeFigureOut">
               <a:rPr lang="en-US" smtClean="0"/>
-              <a:t>3/04/2019</a:t>
+              <a:t>4/3/2019</a:t>
             </a:fld>
             <a:endParaRPr lang="en-US"/>
           </a:p>
@@ -3847,10 +3864,9 @@
           <a:lstStyle/>
           <a:p>
             <a:r>
-              <a:rPr lang="en-US" dirty="0" smtClean="0"/>
+              <a:rPr lang="en-US" dirty="0"/>
               <a:t>Raisin</a:t>
             </a:r>
-            <a:endParaRPr lang="en-US" dirty="0"/>
           </a:p>
         </p:txBody>
       </p:sp>
@@ -3872,14 +3888,26 @@
           <a:lstStyle/>
           <a:p>
             <a:r>
-              <a:rPr lang="en-US" sz="2400" dirty="0" smtClean="0"/>
+              <a:rPr lang="en-US" sz="2400" dirty="0"/>
+              <a:t>All your WebCMS3 due dates in one place.</a:t>
+            </a:r>
+          </a:p>
+          <a:p>
+            <a:endParaRPr lang="en-US" sz="2400" dirty="0"/>
+          </a:p>
+          <a:p>
+            <a:endParaRPr lang="en-US" sz="2400" dirty="0"/>
+          </a:p>
+          <a:p>
+            <a:r>
+              <a:rPr lang="en-US" sz="2000" dirty="0"/>
               <a:t>Group: </a:t>
             </a:r>
             <a:r>
-              <a:rPr lang="en-US" sz="2400" dirty="0" err="1" smtClean="0"/>
+              <a:rPr lang="en-US" sz="2000" dirty="0" err="1"/>
               <a:t>digital_invention</a:t>
             </a:r>
-            <a:endParaRPr lang="en-US" sz="2400" dirty="0"/>
+            <a:endParaRPr lang="en-US" sz="2000" dirty="0"/>
           </a:p>
         </p:txBody>
       </p:sp>
@@ -3893,13 +3921,6 @@
   <p:clrMapOvr>
     <a:masterClrMapping/>
   </p:clrMapOvr>
-  <p:timing>
-    <p:tnLst>
-      <p:par>
-        <p:cTn xmlns:p14="http://schemas.microsoft.com/office/powerpoint/2010/main" id="1" dur="indefinite" restart="never" nodeType="tmRoot"/>
-      </p:par>
-    </p:tnLst>
-  </p:timing>
 </p:sld>
 </file>
 
@@ -3922,104 +3943,64 @@
       </p:grpSpPr>
       <p:sp>
         <p:nvSpPr>
-          <p:cNvPr id="2" name="Title 1"/>
-          <p:cNvSpPr>
-            <a:spLocks noGrp="1"/>
-          </p:cNvSpPr>
-          <p:nvPr>
-            <p:ph type="title"/>
-          </p:nvPr>
-        </p:nvSpPr>
-        <p:spPr/>
-        <p:txBody>
-          <a:bodyPr/>
-          <a:lstStyle/>
-          <a:p>
-            <a:r>
-              <a:rPr lang="en-US" dirty="0" smtClean="0"/>
-              <a:t>Trimesters</a:t>
-            </a:r>
-            <a:endParaRPr lang="en-US" dirty="0"/>
-          </a:p>
-        </p:txBody>
-      </p:sp>
-      <p:sp>
-        <p:nvSpPr>
-          <p:cNvPr id="3" name="Content Placeholder 2"/>
-          <p:cNvSpPr>
-            <a:spLocks noGrp="1"/>
-          </p:cNvSpPr>
-          <p:nvPr>
-            <p:ph idx="1"/>
-          </p:nvPr>
-        </p:nvSpPr>
-        <p:spPr>
-          <a:xfrm>
-            <a:off x="685800" y="2209800"/>
-            <a:ext cx="8273297" cy="3657600"/>
-          </a:xfrm>
-        </p:spPr>
-        <p:txBody>
-          <a:bodyPr/>
-          <a:lstStyle/>
-          <a:p>
-            <a:r>
-              <a:rPr lang="en-US" b="1" dirty="0" smtClean="0"/>
-              <a:t>Theme: </a:t>
-            </a:r>
-            <a:r>
-              <a:rPr lang="en-US" dirty="0" smtClean="0"/>
-              <a:t>UNSW students with WebCMS3 courses</a:t>
-            </a:r>
-          </a:p>
-          <a:p>
-            <a:r>
-              <a:rPr lang="en-US" dirty="0" smtClean="0"/>
-              <a:t>Balancing time commitments to work/personal life/study</a:t>
-            </a:r>
-          </a:p>
-          <a:p>
-            <a:r>
-              <a:rPr lang="en-US" dirty="0" smtClean="0"/>
-              <a:t>Course outlines are used to envision the term</a:t>
-            </a:r>
-          </a:p>
-        </p:txBody>
-      </p:sp>
-      <p:pic>
-        <p:nvPicPr>
-          <p:cNvPr id="4" name="Picture 3" descr="new-calendar.png"/>
-          <p:cNvPicPr>
-            <a:picLocks noChangeAspect="1"/>
-          </p:cNvPicPr>
-          <p:nvPr/>
-        </p:nvPicPr>
-        <p:blipFill>
-          <a:blip r:embed="rId2" cstate="print">
+          <p:cNvPr id="2" name="Title 1">
             <a:extLst>
-              <a:ext uri="{28A0092B-C50C-407E-A947-70E740481C1C}">
-                <a14:useLocalDpi xmlns:a14="http://schemas.microsoft.com/office/drawing/2010/main" val="0"/>
+              <a:ext uri="{FF2B5EF4-FFF2-40B4-BE49-F238E27FC236}">
+                <a16:creationId xmlns:a16="http://schemas.microsoft.com/office/drawing/2014/main" id="{8B8086AD-B6D7-47D9-A114-80EA84073914}"/>
               </a:ext>
             </a:extLst>
-          </a:blip>
-          <a:stretch>
-            <a:fillRect/>
-          </a:stretch>
-        </p:blipFill>
-        <p:spPr>
-          <a:xfrm>
-            <a:off x="530289" y="4093006"/>
-            <a:ext cx="8303213" cy="2764994"/>
-          </a:xfrm>
-          <a:prstGeom prst="rect">
-            <a:avLst/>
-          </a:prstGeom>
-        </p:spPr>
-      </p:pic>
+          </p:cNvPr>
+          <p:cNvSpPr>
+            <a:spLocks noGrp="1"/>
+          </p:cNvSpPr>
+          <p:nvPr>
+            <p:ph type="title"/>
+          </p:nvPr>
+        </p:nvSpPr>
+        <p:spPr/>
+        <p:txBody>
+          <a:bodyPr/>
+          <a:lstStyle/>
+          <a:p>
+            <a:r>
+              <a:rPr lang="en-AU" dirty="0"/>
+              <a:t>Our app</a:t>
+            </a:r>
+          </a:p>
+        </p:txBody>
+      </p:sp>
+      <p:sp>
+        <p:nvSpPr>
+          <p:cNvPr id="3" name="Content Placeholder 2">
+            <a:extLst>
+              <a:ext uri="{FF2B5EF4-FFF2-40B4-BE49-F238E27FC236}">
+                <a16:creationId xmlns:a16="http://schemas.microsoft.com/office/drawing/2014/main" id="{7562F610-86A8-42E0-8828-1AA5C7026E7B}"/>
+              </a:ext>
+            </a:extLst>
+          </p:cNvPr>
+          <p:cNvSpPr>
+            <a:spLocks noGrp="1"/>
+          </p:cNvSpPr>
+          <p:nvPr>
+            <p:ph idx="1"/>
+          </p:nvPr>
+        </p:nvSpPr>
+        <p:spPr/>
+        <p:txBody>
+          <a:bodyPr/>
+          <a:lstStyle/>
+          <a:p>
+            <a:r>
+              <a:rPr lang="en-AU"/>
+              <a:t>Designed for </a:t>
+            </a:r>
+          </a:p>
+        </p:txBody>
+      </p:sp>
     </p:spTree>
     <p:extLst>
       <p:ext uri="{BB962C8B-B14F-4D97-AF65-F5344CB8AC3E}">
-        <p14:creationId xmlns:p14="http://schemas.microsoft.com/office/powerpoint/2010/main" val="328401753"/>
+        <p14:creationId xmlns:p14="http://schemas.microsoft.com/office/powerpoint/2010/main" val="2240280428"/>
       </p:ext>
     </p:extLst>
   </p:cSld>
@@ -4062,57 +4043,173 @@
           <a:lstStyle/>
           <a:p>
             <a:r>
-              <a:rPr lang="en-US" dirty="0" smtClean="0"/>
+              <a:rPr lang="en-US" dirty="0"/>
+              <a:t>Trimesters</a:t>
+            </a:r>
+          </a:p>
+        </p:txBody>
+      </p:sp>
+      <p:sp>
+        <p:nvSpPr>
+          <p:cNvPr id="3" name="Content Placeholder 2"/>
+          <p:cNvSpPr>
+            <a:spLocks noGrp="1"/>
+          </p:cNvSpPr>
+          <p:nvPr>
+            <p:ph idx="1"/>
+          </p:nvPr>
+        </p:nvSpPr>
+        <p:spPr>
+          <a:xfrm>
+            <a:off x="685800" y="2209800"/>
+            <a:ext cx="8273297" cy="3657600"/>
+          </a:xfrm>
+        </p:spPr>
+        <p:txBody>
+          <a:bodyPr/>
+          <a:lstStyle/>
+          <a:p>
+            <a:r>
+              <a:rPr lang="en-US" dirty="0"/>
+              <a:t>Courses are accelerated &amp; due dates arrive surprisingly</a:t>
+            </a:r>
+          </a:p>
+          <a:p>
+            <a:r>
+              <a:rPr lang="en-US" dirty="0"/>
+              <a:t>Students already have enough commitments to manage</a:t>
+            </a:r>
+          </a:p>
+          <a:p>
+            <a:r>
+              <a:rPr lang="en-US" dirty="0"/>
+              <a:t>Course outlines can be dense and confusing</a:t>
+            </a:r>
+          </a:p>
+        </p:txBody>
+      </p:sp>
+      <p:pic>
+        <p:nvPicPr>
+          <p:cNvPr id="4" name="Picture 3" descr="new-calendar.png"/>
+          <p:cNvPicPr>
+            <a:picLocks noChangeAspect="1"/>
+          </p:cNvPicPr>
+          <p:nvPr/>
+        </p:nvPicPr>
+        <p:blipFill>
+          <a:blip r:embed="rId2" cstate="email">
+            <a:extLst>
+              <a:ext uri="{28A0092B-C50C-407E-A947-70E740481C1C}">
+                <a14:useLocalDpi xmlns:a14="http://schemas.microsoft.com/office/drawing/2010/main" val="0"/>
+              </a:ext>
+            </a:extLst>
+          </a:blip>
+          <a:stretch>
+            <a:fillRect/>
+          </a:stretch>
+        </p:blipFill>
+        <p:spPr>
+          <a:xfrm>
+            <a:off x="1235598" y="4636466"/>
+            <a:ext cx="6671216" cy="2221534"/>
+          </a:xfrm>
+          <a:prstGeom prst="rect">
+            <a:avLst/>
+          </a:prstGeom>
+        </p:spPr>
+      </p:pic>
+    </p:spTree>
+    <p:extLst>
+      <p:ext uri="{BB962C8B-B14F-4D97-AF65-F5344CB8AC3E}">
+        <p14:creationId xmlns:p14="http://schemas.microsoft.com/office/powerpoint/2010/main" val="328401753"/>
+      </p:ext>
+    </p:extLst>
+  </p:cSld>
+  <p:clrMapOvr>
+    <a:masterClrMapping/>
+  </p:clrMapOvr>
+</p:sld>
+</file>
+
+<file path=ppt/slides/slide4.xml><?xml version="1.0" encoding="utf-8"?>
+<p:sld xmlns:a="http://schemas.openxmlformats.org/drawingml/2006/main" xmlns:r="http://schemas.openxmlformats.org/officeDocument/2006/relationships" xmlns:p="http://schemas.openxmlformats.org/presentationml/2006/main">
+  <p:cSld>
+    <p:spTree>
+      <p:nvGrpSpPr>
+        <p:cNvPr id="1" name=""/>
+        <p:cNvGrpSpPr/>
+        <p:nvPr/>
+      </p:nvGrpSpPr>
+      <p:grpSpPr>
+        <a:xfrm>
+          <a:off x="0" y="0"/>
+          <a:ext cx="0" cy="0"/>
+          <a:chOff x="0" y="0"/>
+          <a:chExt cx="0" cy="0"/>
+        </a:xfrm>
+      </p:grpSpPr>
+      <p:sp>
+        <p:nvSpPr>
+          <p:cNvPr id="2" name="Title 1"/>
+          <p:cNvSpPr>
+            <a:spLocks noGrp="1"/>
+          </p:cNvSpPr>
+          <p:nvPr>
+            <p:ph type="title"/>
+          </p:nvPr>
+        </p:nvSpPr>
+        <p:spPr/>
+        <p:txBody>
+          <a:bodyPr/>
+          <a:lstStyle/>
+          <a:p>
+            <a:r>
+              <a:rPr lang="en-US" dirty="0"/>
               <a:t>Raisin</a:t>
             </a:r>
+          </a:p>
+        </p:txBody>
+      </p:sp>
+      <p:sp>
+        <p:nvSpPr>
+          <p:cNvPr id="3" name="Content Placeholder 2"/>
+          <p:cNvSpPr>
+            <a:spLocks noGrp="1"/>
+          </p:cNvSpPr>
+          <p:nvPr>
+            <p:ph idx="1"/>
+          </p:nvPr>
+        </p:nvSpPr>
+        <p:spPr/>
+        <p:txBody>
+          <a:bodyPr/>
+          <a:lstStyle/>
+          <a:p>
+            <a:r>
+              <a:rPr lang="en-US" dirty="0"/>
+              <a:t>Aims to assist a student starting a new term, to quick view all course commitments</a:t>
+            </a:r>
+          </a:p>
+          <a:p>
+            <a:r>
+              <a:rPr lang="en-US" dirty="0"/>
+              <a:t>Collects all course due dates onto 1 web page</a:t>
+            </a:r>
+          </a:p>
+          <a:p>
+            <a:r>
+              <a:rPr lang="en-US" dirty="0"/>
+              <a:t>Easily export course assessments to Google Calendar or iCal</a:t>
+            </a:r>
+          </a:p>
+          <a:p>
             <a:endParaRPr lang="en-US" dirty="0"/>
           </a:p>
-        </p:txBody>
-      </p:sp>
-      <p:sp>
-        <p:nvSpPr>
-          <p:cNvPr id="3" name="Content Placeholder 2"/>
-          <p:cNvSpPr>
-            <a:spLocks noGrp="1"/>
-          </p:cNvSpPr>
-          <p:nvPr>
-            <p:ph idx="1"/>
-          </p:nvPr>
-        </p:nvSpPr>
-        <p:spPr/>
-        <p:txBody>
-          <a:bodyPr/>
-          <a:lstStyle/>
-          <a:p>
-            <a:r>
-              <a:rPr lang="en-US" dirty="0" smtClean="0"/>
-              <a:t>Aims to assist a student starting a new term, to quick view all course commitments</a:t>
-            </a:r>
-          </a:p>
-          <a:p>
-            <a:r>
-              <a:rPr lang="en-US" dirty="0" smtClean="0"/>
-              <a:t>Collects all course due dates onto 1 web page</a:t>
-            </a:r>
-          </a:p>
-          <a:p>
-            <a:r>
-              <a:rPr lang="en-US" dirty="0" smtClean="0"/>
-              <a:t>Easily export </a:t>
-            </a:r>
-            <a:r>
-              <a:rPr lang="en-US" dirty="0"/>
-              <a:t>course assessments to Google Calendar or iCal</a:t>
-            </a:r>
-          </a:p>
-          <a:p>
-            <a:endParaRPr lang="en-US" dirty="0" smtClean="0"/>
-          </a:p>
-          <a:p>
-            <a:endParaRPr lang="en-US" dirty="0" smtClean="0"/>
-          </a:p>
-          <a:p>
-            <a:endParaRPr lang="en-US" dirty="0" smtClean="0"/>
+          <a:p>
+            <a:endParaRPr lang="en-US" dirty="0"/>
+          </a:p>
+          <a:p>
+            <a:endParaRPr lang="en-US" dirty="0"/>
           </a:p>
           <a:p>
             <a:endParaRPr lang="en-US" dirty="0"/>
@@ -4156,7 +4253,7 @@
 </p:sld>
 </file>
 
-<file path=ppt/slides/slide4.xml><?xml version="1.0" encoding="utf-8"?>
+<file path=ppt/slides/slide5.xml><?xml version="1.0" encoding="utf-8"?>
 <p:sld xmlns:a="http://schemas.openxmlformats.org/drawingml/2006/main" xmlns:r="http://schemas.openxmlformats.org/officeDocument/2006/relationships" xmlns:p="http://schemas.openxmlformats.org/presentationml/2006/main">
   <p:cSld>
     <p:spTree>
@@ -4189,10 +4286,9 @@
           <a:lstStyle/>
           <a:p>
             <a:r>
-              <a:rPr lang="en-US" dirty="0" smtClean="0"/>
+              <a:rPr lang="en-US" dirty="0"/>
               <a:t>Web Stack</a:t>
             </a:r>
-            <a:endParaRPr lang="en-US" dirty="0"/>
           </a:p>
         </p:txBody>
       </p:sp>
@@ -4302,17 +4398,10 @@
   <p:clrMapOvr>
     <a:masterClrMapping/>
   </p:clrMapOvr>
-  <p:timing>
-    <p:tnLst>
-      <p:par>
-        <p:cTn xmlns:p14="http://schemas.microsoft.com/office/powerpoint/2010/main" id="1" dur="indefinite" restart="never" nodeType="tmRoot"/>
-      </p:par>
-    </p:tnLst>
-  </p:timing>
 </p:sld>
 </file>
 
-<file path=ppt/slides/slide5.xml><?xml version="1.0" encoding="utf-8"?>
+<file path=ppt/slides/slide6.xml><?xml version="1.0" encoding="utf-8"?>
 <p:sld xmlns:a="http://schemas.openxmlformats.org/drawingml/2006/main" xmlns:r="http://schemas.openxmlformats.org/officeDocument/2006/relationships" xmlns:p="http://schemas.openxmlformats.org/presentationml/2006/main">
   <p:cSld>
     <p:spTree>
@@ -4345,10 +4434,9 @@
           <a:lstStyle/>
           <a:p>
             <a:r>
-              <a:rPr lang="en-US" dirty="0" smtClean="0"/>
+              <a:rPr lang="en-US" dirty="0"/>
               <a:t>Software Architecture</a:t>
             </a:r>
-            <a:endParaRPr lang="en-US" dirty="0"/>
           </a:p>
         </p:txBody>
       </p:sp>
@@ -4359,7 +4447,7 @@
           <p:nvPr/>
         </p:nvPicPr>
         <p:blipFill>
-          <a:blip r:embed="rId2">
+          <a:blip r:embed="rId2" cstate="email">
             <a:extLst>
               <a:ext uri="{28A0092B-C50C-407E-A947-70E740481C1C}">
                 <a14:useLocalDpi xmlns:a14="http://schemas.microsoft.com/office/drawing/2010/main" val="0"/>
@@ -4407,19 +4495,19 @@
           <a:lstStyle/>
           <a:p>
             <a:r>
-              <a:rPr lang="en-US" dirty="0" smtClean="0"/>
+              <a:rPr lang="en-US" dirty="0"/>
               <a:t>Server handles accessing WebCMS3</a:t>
             </a:r>
           </a:p>
           <a:p>
             <a:r>
-              <a:rPr lang="en-US" dirty="0" smtClean="0"/>
+              <a:rPr lang="en-US" dirty="0"/>
               <a:t>Server uses a PDF scraper and a web scarper to extract information</a:t>
             </a:r>
           </a:p>
           <a:p>
             <a:r>
-              <a:rPr lang="en-US" dirty="0" smtClean="0"/>
+              <a:rPr lang="en-US" dirty="0"/>
               <a:t>Uses Google API</a:t>
             </a:r>
           </a:p>
